--- a/leetcode.pptx
+++ b/leetcode.pptx
@@ -5,7 +5,7 @@
     <p:sldMasterId id="2147483684" r:id="rId1"/>
   </p:sldMasterIdLst>
   <p:notesMasterIdLst>
-    <p:notesMasterId r:id="rId8"/>
+    <p:notesMasterId r:id="rId10"/>
   </p:notesMasterIdLst>
   <p:sldIdLst>
     <p:sldId id="260" r:id="rId2"/>
@@ -14,6 +14,8 @@
     <p:sldId id="264" r:id="rId5"/>
     <p:sldId id="265" r:id="rId6"/>
     <p:sldId id="266" r:id="rId7"/>
+    <p:sldId id="268" r:id="rId8"/>
+    <p:sldId id="269" r:id="rId9"/>
   </p:sldIdLst>
   <p:sldSz cx="12192000" cy="6858000"/>
   <p:notesSz cx="6858000" cy="9144000"/>
@@ -203,7 +205,7 @@
             <a:fld id="{9F3A5EB3-50EE-4F69-B93A-7859079E8380}" type="datetimeFigureOut">
               <a:rPr lang="zh-CN" altLang="en-US" smtClean="0"/>
               <a:pPr/>
-              <a:t>2020/5/6</a:t>
+              <a:t>2020/5/8</a:t>
             </a:fld>
             <a:endParaRPr lang="zh-CN" altLang="en-US"/>
           </a:p>
@@ -709,7 +711,7 @@
             <a:fld id="{7C955CD6-C544-6447-88CB-A2D8D4C328B3}" type="datetimeFigureOut">
               <a:rPr kumimoji="1" lang="zh-CN" altLang="en-US" smtClean="0"/>
               <a:pPr/>
-              <a:t>2020/5/6</a:t>
+              <a:t>2020/5/8</a:t>
             </a:fld>
             <a:endParaRPr kumimoji="1" lang="zh-CN" altLang="en-US"/>
           </a:p>
@@ -2768,11 +2770,7 @@
           <a:p>
             <a:r>
               <a:rPr lang="en-US" altLang="zh-CN" dirty="0" smtClean="0"/>
-              <a:t>  </a:t>
-            </a:r>
-            <a:r>
-              <a:rPr lang="en-US" altLang="zh-CN" dirty="0" smtClean="0"/>
-              <a:t> </a:t>
+              <a:t>   </a:t>
             </a:r>
             <a:r>
               <a:rPr lang="en-US" altLang="zh-CN" dirty="0" smtClean="0">
@@ -2828,7 +2826,7 @@
             <a:pPr algn="ctr"/>
             <a:r>
               <a:rPr lang="zh-CN" altLang="en-US" dirty="0" smtClean="0"/>
-              <a:t>矩阵</a:t>
+              <a:t>数组</a:t>
             </a:r>
             <a:endParaRPr lang="zh-CN" altLang="en-US" dirty="0"/>
           </a:p>
@@ -2872,64 +2870,9 @@
             <a:pPr algn="ctr"/>
             <a:r>
               <a:rPr lang="zh-CN" altLang="en-US" dirty="0" smtClean="0"/>
-              <a:t>递归回溯</a:t>
+              <a:t>滑动窗口</a:t>
             </a:r>
             <a:endParaRPr lang="zh-CN" altLang="en-US" dirty="0"/>
-          </a:p>
-        </p:txBody>
-      </p:sp>
-      <p:sp>
-        <p:nvSpPr>
-          <p:cNvPr id="3" name="矩形 2"/>
-          <p:cNvSpPr/>
-          <p:nvPr/>
-        </p:nvSpPr>
-        <p:spPr>
-          <a:xfrm>
-            <a:off x="4254499" y="1968500"/>
-            <a:ext cx="5385889" cy="3416320"/>
-          </a:xfrm>
-          <a:prstGeom prst="rect">
-            <a:avLst/>
-          </a:prstGeom>
-        </p:spPr>
-        <p:txBody>
-          <a:bodyPr wrap="square">
-            <a:spAutoFit/>
-          </a:bodyPr>
-          <a:lstStyle/>
-          <a:p>
-            <a:endParaRPr lang="en-US" altLang="zh-CN" sz="3200" dirty="0" smtClean="0"/>
-          </a:p>
-          <a:p>
-            <a:r>
-              <a:rPr lang="en-US" altLang="zh-CN" sz="4000" b="1" dirty="0" smtClean="0"/>
-              <a:t>       [</a:t>
-            </a:r>
-            <a:r>
-              <a:rPr lang="en-US" altLang="zh-CN" sz="4000" b="1" dirty="0" smtClean="0"/>
-              <a:t>79]</a:t>
-            </a:r>
-            <a:r>
-              <a:rPr lang="en-US" altLang="zh-CN" sz="4000" b="1" dirty="0"/>
-              <a:t> </a:t>
-            </a:r>
-            <a:r>
-              <a:rPr lang="zh-CN" altLang="en-US" sz="4000" dirty="0" smtClean="0"/>
-              <a:t>单词搜索</a:t>
-            </a:r>
-          </a:p>
-          <a:p>
-            <a:endParaRPr lang="zh-CN" altLang="en-US" sz="4000" b="1" dirty="0"/>
-          </a:p>
-          <a:p>
-            <a:endParaRPr lang="en-US" altLang="zh-CN" sz="4000" dirty="0" smtClean="0"/>
-          </a:p>
-          <a:p>
-            <a:endParaRPr lang="en-US" altLang="zh-CN" sz="3200" dirty="0"/>
-          </a:p>
-          <a:p>
-            <a:endParaRPr lang="zh-CN" altLang="en-US" sz="3200" dirty="0"/>
           </a:p>
         </p:txBody>
       </p:sp>
@@ -2968,12 +2911,691 @@
           <a:bodyPr rtlCol="0" anchor="ctr"/>
           <a:lstStyle/>
           <a:p>
+            <a:r>
+              <a:rPr lang="en-US" b="1" dirty="0" smtClean="0"/>
+              <a:t>std::unique</a:t>
+            </a:r>
+            <a:endParaRPr lang="en-US" b="1" dirty="0"/>
+          </a:p>
+        </p:txBody>
+      </p:sp>
+      <p:sp>
+        <p:nvSpPr>
+          <p:cNvPr id="8" name="矩形 7"/>
+          <p:cNvSpPr/>
+          <p:nvPr/>
+        </p:nvSpPr>
+        <p:spPr>
+          <a:xfrm>
+            <a:off x="4435930" y="2416029"/>
+            <a:ext cx="4842294" cy="461665"/>
+          </a:xfrm>
+          <a:prstGeom prst="rect">
+            <a:avLst/>
+          </a:prstGeom>
+        </p:spPr>
+        <p:txBody>
+          <a:bodyPr wrap="square">
+            <a:spAutoFit/>
+          </a:bodyPr>
+          <a:lstStyle/>
+          <a:p>
+            <a:r>
+              <a:rPr lang="en-US" altLang="zh-CN" sz="2400" b="1" dirty="0" smtClean="0"/>
+              <a:t>[80]  </a:t>
+            </a:r>
+            <a:r>
+              <a:rPr lang="zh-CN" altLang="en-US" sz="2400" b="1" dirty="0" smtClean="0"/>
+              <a:t>删除排序数组中的重复项 </a:t>
+            </a:r>
+            <a:r>
+              <a:rPr lang="en-US" altLang="zh-CN" sz="2400" b="1" dirty="0" smtClean="0"/>
+              <a:t>II</a:t>
+            </a:r>
+            <a:endParaRPr lang="zh-CN" altLang="en-US" sz="2400" b="1" dirty="0"/>
+          </a:p>
+        </p:txBody>
+      </p:sp>
+    </p:spTree>
+    <p:extLst>
+      <p:ext uri="{BB962C8B-B14F-4D97-AF65-F5344CB8AC3E}">
+        <p14:creationId xmlns:p14="http://schemas.microsoft.com/office/powerpoint/2010/main" xmlns="" val="3445009766"/>
+      </p:ext>
+    </p:extLst>
+  </p:cSld>
+  <p:clrMapOvr>
+    <a:masterClrMapping/>
+  </p:clrMapOvr>
+</p:sld>
+</file>
+
+<file path=ppt/slides/slide7.xml><?xml version="1.0" encoding="utf-8"?>
+<p:sld xmlns:a="http://schemas.openxmlformats.org/drawingml/2006/main" xmlns:r="http://schemas.openxmlformats.org/officeDocument/2006/relationships" xmlns:p="http://schemas.openxmlformats.org/presentationml/2006/main">
+  <p:cSld>
+    <p:spTree>
+      <p:nvGrpSpPr>
+        <p:cNvPr id="1" name=""/>
+        <p:cNvGrpSpPr/>
+        <p:nvPr/>
+      </p:nvGrpSpPr>
+      <p:grpSpPr>
+        <a:xfrm>
+          <a:off x="0" y="0"/>
+          <a:ext cx="0" cy="0"/>
+          <a:chOff x="0" y="0"/>
+          <a:chExt cx="0" cy="0"/>
+        </a:xfrm>
+      </p:grpSpPr>
+      <p:sp>
+        <p:nvSpPr>
+          <p:cNvPr id="28" name="矩形 27">
+            <a:extLst>
+              <a:ext uri="{FF2B5EF4-FFF2-40B4-BE49-F238E27FC236}">
+                <a16:creationId xmlns="" xmlns:a16="http://schemas.microsoft.com/office/drawing/2014/main" id="{45059F00-28CC-4349-974C-B53D3988E15E}"/>
+              </a:ext>
+            </a:extLst>
+          </p:cNvPr>
+          <p:cNvSpPr/>
+          <p:nvPr/>
+        </p:nvSpPr>
+        <p:spPr>
+          <a:xfrm>
+            <a:off x="2161880" y="102000"/>
+            <a:ext cx="5955476" cy="461665"/>
+          </a:xfrm>
+          <a:prstGeom prst="rect">
+            <a:avLst/>
+          </a:prstGeom>
+        </p:spPr>
+        <p:txBody>
+          <a:bodyPr wrap="none">
+            <a:spAutoFit/>
+          </a:bodyPr>
+          <a:lstStyle/>
+          <a:p>
+            <a:r>
+              <a:rPr kumimoji="1" lang="zh-CN" altLang="en-US" sz="2400" dirty="0" smtClean="0">
+                <a:solidFill>
+                  <a:schemeClr val="bg1"/>
+                </a:solidFill>
+                <a:latin typeface="Times New Roman" charset="0"/>
+                <a:ea typeface="黑体" charset="-122"/>
+              </a:rPr>
+              <a:t>第 </a:t>
+            </a:r>
+            <a:r>
+              <a:rPr kumimoji="1" lang="en-US" altLang="zh-CN" sz="2400" dirty="0" smtClean="0">
+                <a:solidFill>
+                  <a:schemeClr val="bg1"/>
+                </a:solidFill>
+                <a:latin typeface="Times New Roman" charset="0"/>
+                <a:ea typeface="黑体" charset="-122"/>
+              </a:rPr>
+              <a:t>80</a:t>
+            </a:r>
+            <a:r>
+              <a:rPr kumimoji="1" lang="zh-CN" altLang="en-US" sz="2400" dirty="0" smtClean="0">
+                <a:solidFill>
+                  <a:schemeClr val="bg1"/>
+                </a:solidFill>
+                <a:latin typeface="Times New Roman" charset="0"/>
+                <a:ea typeface="黑体" charset="-122"/>
+              </a:rPr>
+              <a:t>题</a:t>
+            </a:r>
+            <a:r>
+              <a:rPr kumimoji="1" lang="zh-CN" altLang="en-US" sz="2400" dirty="0" smtClean="0">
+                <a:solidFill>
+                  <a:schemeClr val="bg1"/>
+                </a:solidFill>
+                <a:latin typeface="KaiTi" panose="02010609060101010101" pitchFamily="49" charset="-122"/>
+                <a:ea typeface="KaiTi" panose="02010609060101010101" pitchFamily="49" charset="-122"/>
+              </a:rPr>
+              <a:t>：“删除重复元素”题解配图（</a:t>
+            </a:r>
+            <a:r>
+              <a:rPr kumimoji="1" lang="en-US" altLang="zh-CN" sz="2400" dirty="0" smtClean="0">
+                <a:solidFill>
+                  <a:schemeClr val="bg1"/>
+                </a:solidFill>
+                <a:latin typeface="Times New Roman" panose="02020603050405020304" pitchFamily="18" charset="0"/>
+                <a:ea typeface="KaiTi" panose="02010609060101010101" pitchFamily="49" charset="-122"/>
+                <a:cs typeface="Times New Roman" panose="02020603050405020304" pitchFamily="18" charset="0"/>
+              </a:rPr>
+              <a:t>1</a:t>
+            </a:r>
+            <a:r>
+              <a:rPr kumimoji="1" lang="zh-CN" altLang="en-US" sz="2400" dirty="0" smtClean="0">
+                <a:solidFill>
+                  <a:schemeClr val="bg1"/>
+                </a:solidFill>
+                <a:latin typeface="KaiTi" panose="02010609060101010101" pitchFamily="49" charset="-122"/>
+                <a:ea typeface="KaiTi" panose="02010609060101010101" pitchFamily="49" charset="-122"/>
+              </a:rPr>
+              <a:t>）</a:t>
+            </a:r>
+            <a:endParaRPr lang="zh-CN" altLang="en-US" dirty="0">
+              <a:solidFill>
+                <a:schemeClr val="bg1"/>
+              </a:solidFill>
+            </a:endParaRPr>
+          </a:p>
+        </p:txBody>
+      </p:sp>
+      <p:sp>
+        <p:nvSpPr>
+          <p:cNvPr id="29" name="文本框 28">
+            <a:extLst>
+              <a:ext uri="{FF2B5EF4-FFF2-40B4-BE49-F238E27FC236}">
+                <a16:creationId xmlns="" xmlns:a16="http://schemas.microsoft.com/office/drawing/2014/main" id="{BFD41FFF-6E2A-B240-965E-C4B5BC26BD49}"/>
+              </a:ext>
+            </a:extLst>
+          </p:cNvPr>
+          <p:cNvSpPr txBox="1"/>
+          <p:nvPr/>
+        </p:nvSpPr>
+        <p:spPr>
+          <a:xfrm flipH="1">
+            <a:off x="85896" y="713798"/>
+            <a:ext cx="2859009" cy="461665"/>
+          </a:xfrm>
+          <a:prstGeom prst="rect">
+            <a:avLst/>
+          </a:prstGeom>
+          <a:solidFill>
+            <a:srgbClr val="FF0000"/>
+          </a:solidFill>
+          <a:ln>
+            <a:noFill/>
+          </a:ln>
+          <a:effectLst>
+            <a:outerShdw blurRad="50800" dist="38100" dir="2700000" algn="tl" rotWithShape="0">
+              <a:prstClr val="black">
+                <a:alpha val="40000"/>
+              </a:prstClr>
+            </a:outerShdw>
+          </a:effectLst>
+        </p:spPr>
+        <p:txBody>
+          <a:bodyPr wrap="square" rtlCol="0">
+            <a:spAutoFit/>
+          </a:bodyPr>
+          <a:lstStyle/>
+          <a:p>
+            <a:pPr marL="342900" indent="-342900">
+              <a:buFont typeface="Wingdings" pitchFamily="2" charset="2"/>
+              <a:buChar char="Ø"/>
+            </a:pPr>
+            <a:r>
+              <a:rPr kumimoji="1" lang="zh-CN" altLang="en-US" sz="2400" b="1" dirty="0">
+                <a:solidFill>
+                  <a:schemeClr val="bg1"/>
+                </a:solidFill>
+                <a:latin typeface="Times New Roman" panose="02020603050405020304" pitchFamily="18" charset="0"/>
+                <a:ea typeface="KaiTi_GB2312" panose="02010609030101010101" pitchFamily="49" charset="-122"/>
+                <a:cs typeface="Times New Roman" panose="02020603050405020304" pitchFamily="18" charset="0"/>
+              </a:rPr>
+              <a:t>思想</a:t>
+            </a:r>
+            <a:r>
+              <a:rPr kumimoji="1" lang="zh-CN" altLang="en-US" sz="2400" b="1" dirty="0" smtClean="0">
+                <a:solidFill>
+                  <a:schemeClr val="bg1"/>
+                </a:solidFill>
+                <a:latin typeface="Times New Roman" panose="02020603050405020304" pitchFamily="18" charset="0"/>
+                <a:ea typeface="KaiTi_GB2312" panose="02010609030101010101" pitchFamily="49" charset="-122"/>
+                <a:cs typeface="Times New Roman" panose="02020603050405020304" pitchFamily="18" charset="0"/>
+              </a:rPr>
+              <a:t>：滑动窗口</a:t>
+            </a:r>
+            <a:endParaRPr kumimoji="1" lang="zh-CN" altLang="en-US" sz="2400" b="1" dirty="0">
+              <a:solidFill>
+                <a:schemeClr val="bg1"/>
+              </a:solidFill>
+              <a:latin typeface="Times New Roman" panose="02020603050405020304" pitchFamily="18" charset="0"/>
+              <a:ea typeface="KaiTi_GB2312" panose="02010609030101010101" pitchFamily="49" charset="-122"/>
+              <a:cs typeface="Times New Roman" panose="02020603050405020304" pitchFamily="18" charset="0"/>
+            </a:endParaRPr>
+          </a:p>
+        </p:txBody>
+      </p:sp>
+      <p:sp>
+        <p:nvSpPr>
+          <p:cNvPr id="6" name="矩形 5"/>
+          <p:cNvSpPr/>
+          <p:nvPr/>
+        </p:nvSpPr>
+        <p:spPr>
+          <a:xfrm>
+            <a:off x="85896" y="1593908"/>
+            <a:ext cx="5308225" cy="2862322"/>
+          </a:xfrm>
+          <a:prstGeom prst="rect">
+            <a:avLst/>
+          </a:prstGeom>
+        </p:spPr>
+        <p:style>
+          <a:lnRef idx="2">
+            <a:schemeClr val="accent5"/>
+          </a:lnRef>
+          <a:fillRef idx="1">
+            <a:schemeClr val="lt1"/>
+          </a:fillRef>
+          <a:effectRef idx="0">
+            <a:schemeClr val="accent5"/>
+          </a:effectRef>
+          <a:fontRef idx="minor">
+            <a:schemeClr val="dk1"/>
+          </a:fontRef>
+        </p:style>
+        <p:txBody>
+          <a:bodyPr wrap="square">
+            <a:spAutoFit/>
+          </a:bodyPr>
+          <a:lstStyle/>
+          <a:p>
+            <a:r>
+              <a:rPr lang="zh-CN" altLang="en-US" dirty="0" smtClean="0"/>
+              <a:t>解题思路：</a:t>
+            </a:r>
+          </a:p>
+          <a:p>
+            <a:r>
+              <a:rPr lang="zh-CN" altLang="en-US" dirty="0" smtClean="0"/>
+              <a:t/>
+            </a:r>
+            <a:br>
+              <a:rPr lang="zh-CN" altLang="en-US" dirty="0" smtClean="0"/>
+            </a:br>
+            <a:endParaRPr lang="en-US" altLang="zh-CN" dirty="0" smtClean="0"/>
+          </a:p>
+          <a:p>
+            <a:endParaRPr lang="en-US" altLang="zh-CN" dirty="0" smtClean="0"/>
+          </a:p>
+          <a:p>
+            <a:endParaRPr lang="en-US" altLang="zh-CN" dirty="0" smtClean="0"/>
+          </a:p>
+          <a:p>
+            <a:r>
+              <a:rPr lang="zh-CN" altLang="en-US" dirty="0" smtClean="0"/>
+              <a:t>算法描述：</a:t>
+            </a:r>
+          </a:p>
+          <a:p>
+            <a:r>
+              <a:rPr lang="zh-CN" altLang="en-US" dirty="0" smtClean="0"/>
+              <a:t>       </a:t>
+            </a:r>
+          </a:p>
+          <a:p>
+            <a:endParaRPr lang="en-US" altLang="zh-CN" dirty="0" smtClean="0"/>
+          </a:p>
+          <a:p>
+            <a:endParaRPr lang="en-US" altLang="zh-CN" dirty="0" smtClean="0"/>
+          </a:p>
+          <a:p>
+            <a:r>
+              <a:rPr lang="zh-CN" altLang="en-US" dirty="0" smtClean="0"/>
+              <a:t>复杂度分析：</a:t>
+            </a:r>
+            <a:endParaRPr lang="zh-CN" altLang="en-US" dirty="0"/>
+          </a:p>
+        </p:txBody>
+      </p:sp>
+      <p:pic>
+        <p:nvPicPr>
+          <p:cNvPr id="1026" name="Picture 2"/>
+          <p:cNvPicPr>
+            <a:picLocks noChangeAspect="1" noChangeArrowheads="1"/>
+          </p:cNvPicPr>
+          <p:nvPr/>
+        </p:nvPicPr>
+        <p:blipFill>
+          <a:blip r:embed="rId2"/>
+          <a:srcRect/>
+          <a:stretch>
+            <a:fillRect/>
+          </a:stretch>
+        </p:blipFill>
+        <p:spPr bwMode="auto">
+          <a:xfrm>
+            <a:off x="6557005" y="1324315"/>
+            <a:ext cx="3762375" cy="3543300"/>
+          </a:xfrm>
+          <a:prstGeom prst="rect">
+            <a:avLst/>
+          </a:prstGeom>
+          <a:noFill/>
+          <a:ln w="9525">
+            <a:noFill/>
+            <a:miter lim="800000"/>
+            <a:headEnd/>
+            <a:tailEnd/>
+          </a:ln>
+          <a:effectLst/>
+        </p:spPr>
+      </p:pic>
+    </p:spTree>
+    <p:extLst>
+      <p:ext uri="{BB962C8B-B14F-4D97-AF65-F5344CB8AC3E}">
+        <p14:creationId xmlns:p14="http://schemas.microsoft.com/office/powerpoint/2010/main" xmlns="" val="2728124400"/>
+      </p:ext>
+    </p:extLst>
+  </p:cSld>
+  <p:clrMapOvr>
+    <a:masterClrMapping/>
+  </p:clrMapOvr>
+</p:sld>
+</file>
+
+<file path=ppt/slides/slide8.xml><?xml version="1.0" encoding="utf-8"?>
+<p:sld xmlns:a="http://schemas.openxmlformats.org/drawingml/2006/main" xmlns:r="http://schemas.openxmlformats.org/officeDocument/2006/relationships" xmlns:p="http://schemas.openxmlformats.org/presentationml/2006/main">
+  <p:cSld>
+    <p:spTree>
+      <p:nvGrpSpPr>
+        <p:cNvPr id="1" name=""/>
+        <p:cNvGrpSpPr/>
+        <p:nvPr/>
+      </p:nvGrpSpPr>
+      <p:grpSpPr>
+        <a:xfrm>
+          <a:off x="0" y="0"/>
+          <a:ext cx="0" cy="0"/>
+          <a:chOff x="0" y="0"/>
+          <a:chExt cx="0" cy="0"/>
+        </a:xfrm>
+      </p:grpSpPr>
+      <p:pic>
+        <p:nvPicPr>
+          <p:cNvPr id="1026" name="Picture 2"/>
+          <p:cNvPicPr>
+            <a:picLocks noChangeAspect="1" noChangeArrowheads="1"/>
+          </p:cNvPicPr>
+          <p:nvPr/>
+        </p:nvPicPr>
+        <p:blipFill>
+          <a:blip r:embed="rId2">
+            <a:extLst>
+              <a:ext uri="{28A0092B-C50C-407E-A947-70E740481C1C}">
+                <a14:useLocalDpi xmlns:a14="http://schemas.microsoft.com/office/drawing/2010/main" xmlns="" val="0"/>
+              </a:ext>
+            </a:extLst>
+          </a:blip>
+          <a:srcRect/>
+          <a:stretch>
+            <a:fillRect/>
+          </a:stretch>
+        </p:blipFill>
+        <p:spPr bwMode="auto">
+          <a:xfrm>
+            <a:off x="1209675" y="1390650"/>
+            <a:ext cx="2838450" cy="2781300"/>
+          </a:xfrm>
+          <a:prstGeom prst="rect">
+            <a:avLst/>
+          </a:prstGeom>
+          <a:noFill/>
+          <a:ln>
+            <a:noFill/>
+          </a:ln>
+          <a:extLst>
+            <a:ext uri="{909E8E84-426E-40DD-AFC4-6F175D3DCCD1}">
+              <a14:hiddenFill xmlns:a14="http://schemas.microsoft.com/office/drawing/2010/main" xmlns="">
+                <a:solidFill>
+                  <a:schemeClr val="accent1"/>
+                </a:solidFill>
+              </a14:hiddenFill>
+            </a:ext>
+            <a:ext uri="{91240B29-F687-4F45-9708-019B960494DF}">
+              <a14:hiddenLine xmlns:a14="http://schemas.microsoft.com/office/drawing/2010/main" xmlns="" w="9525">
+                <a:solidFill>
+                  <a:schemeClr val="tx1"/>
+                </a:solidFill>
+                <a:miter lim="800000"/>
+                <a:headEnd/>
+                <a:tailEnd/>
+              </a14:hiddenLine>
+            </a:ext>
+          </a:extLst>
+        </p:spPr>
+      </p:pic>
+      <p:sp>
+        <p:nvSpPr>
+          <p:cNvPr id="2" name="圆角矩形 1"/>
+          <p:cNvSpPr/>
+          <p:nvPr/>
+        </p:nvSpPr>
+        <p:spPr>
+          <a:xfrm>
+            <a:off x="952500" y="4711700"/>
+            <a:ext cx="1435100" cy="685800"/>
+          </a:xfrm>
+          <a:prstGeom prst="roundRect">
+            <a:avLst/>
+          </a:prstGeom>
+        </p:spPr>
+        <p:style>
+          <a:lnRef idx="2">
+            <a:schemeClr val="accent6">
+              <a:shade val="50000"/>
+            </a:schemeClr>
+          </a:lnRef>
+          <a:fillRef idx="1">
+            <a:schemeClr val="accent6"/>
+          </a:fillRef>
+          <a:effectRef idx="0">
+            <a:schemeClr val="accent6"/>
+          </a:effectRef>
+          <a:fontRef idx="minor">
+            <a:schemeClr val="lt1"/>
+          </a:fontRef>
+        </p:style>
+        <p:txBody>
+          <a:bodyPr rtlCol="0" anchor="ctr"/>
+          <a:lstStyle/>
+          <a:p>
+            <a:r>
+              <a:rPr lang="en-US" altLang="zh-CN" dirty="0" smtClean="0"/>
+              <a:t>   </a:t>
+            </a:r>
+            <a:r>
+              <a:rPr lang="en-US" altLang="zh-CN" dirty="0" smtClean="0">
+                <a:solidFill>
+                  <a:srgbClr val="FF0000"/>
+                </a:solidFill>
+              </a:rPr>
+              <a:t>Medium</a:t>
+            </a:r>
+            <a:endParaRPr lang="en-US" altLang="zh-CN" dirty="0">
+              <a:solidFill>
+                <a:srgbClr val="FF0000"/>
+              </a:solidFill>
+            </a:endParaRPr>
+          </a:p>
+        </p:txBody>
+      </p:sp>
+      <p:sp>
+        <p:nvSpPr>
+          <p:cNvPr id="4" name="圆角矩形 3"/>
+          <p:cNvSpPr/>
+          <p:nvPr/>
+        </p:nvSpPr>
+        <p:spPr>
+          <a:xfrm>
+            <a:off x="3111500" y="4711700"/>
+            <a:ext cx="1676400" cy="685800"/>
+          </a:xfrm>
+          <a:prstGeom prst="roundRect">
+            <a:avLst/>
+          </a:prstGeom>
+        </p:spPr>
+        <p:style>
+          <a:lnRef idx="2">
+            <a:schemeClr val="dk1">
+              <a:shade val="50000"/>
+            </a:schemeClr>
+          </a:lnRef>
+          <a:fillRef idx="1">
+            <a:schemeClr val="dk1"/>
+          </a:fillRef>
+          <a:effectRef idx="0">
+            <a:schemeClr val="dk1"/>
+          </a:effectRef>
+          <a:fontRef idx="minor">
+            <a:schemeClr val="lt1"/>
+          </a:fontRef>
+        </p:style>
+        <p:txBody>
+          <a:bodyPr rtlCol="0" anchor="ctr"/>
+          <a:lstStyle/>
+          <a:p>
             <a:pPr algn="ctr"/>
             <a:r>
               <a:rPr lang="zh-CN" altLang="en-US" dirty="0" smtClean="0"/>
-              <a:t>深度优先搜索</a:t>
+              <a:t>数组</a:t>
             </a:r>
             <a:endParaRPr lang="zh-CN" altLang="en-US" dirty="0"/>
+          </a:p>
+        </p:txBody>
+      </p:sp>
+      <p:sp>
+        <p:nvSpPr>
+          <p:cNvPr id="6" name="圆角矩形 5"/>
+          <p:cNvSpPr/>
+          <p:nvPr/>
+        </p:nvSpPr>
+        <p:spPr>
+          <a:xfrm>
+            <a:off x="5486400" y="4711700"/>
+            <a:ext cx="2476500" cy="685800"/>
+          </a:xfrm>
+          <a:prstGeom prst="roundRect">
+            <a:avLst/>
+          </a:prstGeom>
+        </p:spPr>
+        <p:style>
+          <a:lnRef idx="2">
+            <a:schemeClr val="dk1">
+              <a:shade val="50000"/>
+            </a:schemeClr>
+          </a:lnRef>
+          <a:fillRef idx="1">
+            <a:schemeClr val="dk1"/>
+          </a:fillRef>
+          <a:effectRef idx="0">
+            <a:schemeClr val="dk1"/>
+          </a:effectRef>
+          <a:fontRef idx="minor">
+            <a:schemeClr val="lt1"/>
+          </a:fontRef>
+        </p:style>
+        <p:txBody>
+          <a:bodyPr rtlCol="0" anchor="ctr"/>
+          <a:lstStyle/>
+          <a:p>
+            <a:pPr algn="ctr"/>
+            <a:r>
+              <a:rPr lang="zh-CN" altLang="en-US" dirty="0" smtClean="0"/>
+              <a:t>最坏情况</a:t>
+            </a:r>
+            <a:endParaRPr lang="zh-CN" altLang="en-US" dirty="0"/>
+          </a:p>
+        </p:txBody>
+      </p:sp>
+      <p:sp>
+        <p:nvSpPr>
+          <p:cNvPr id="7" name="圆角矩形 6"/>
+          <p:cNvSpPr/>
+          <p:nvPr/>
+        </p:nvSpPr>
+        <p:spPr>
+          <a:xfrm>
+            <a:off x="8306525" y="4756524"/>
+            <a:ext cx="1676400" cy="685800"/>
+          </a:xfrm>
+          <a:prstGeom prst="roundRect">
+            <a:avLst/>
+          </a:prstGeom>
+        </p:spPr>
+        <p:style>
+          <a:lnRef idx="2">
+            <a:schemeClr val="dk1">
+              <a:shade val="50000"/>
+            </a:schemeClr>
+          </a:lnRef>
+          <a:fillRef idx="1">
+            <a:schemeClr val="dk1"/>
+          </a:fillRef>
+          <a:effectRef idx="0">
+            <a:schemeClr val="dk1"/>
+          </a:effectRef>
+          <a:fontRef idx="minor">
+            <a:schemeClr val="lt1"/>
+          </a:fontRef>
+        </p:style>
+        <p:txBody>
+          <a:bodyPr rtlCol="0" anchor="ctr"/>
+          <a:lstStyle/>
+          <a:p>
+            <a:r>
+              <a:rPr lang="en-US" b="1" dirty="0" smtClean="0"/>
+              <a:t>  </a:t>
+            </a:r>
+            <a:r>
+              <a:rPr lang="zh-CN" altLang="en-US" b="1" smtClean="0"/>
+              <a:t>折半查找</a:t>
+            </a:r>
+            <a:endParaRPr lang="en-US" b="1" dirty="0"/>
+          </a:p>
+        </p:txBody>
+      </p:sp>
+      <p:sp>
+        <p:nvSpPr>
+          <p:cNvPr id="8" name="矩形 7"/>
+          <p:cNvSpPr/>
+          <p:nvPr/>
+        </p:nvSpPr>
+        <p:spPr>
+          <a:xfrm>
+            <a:off x="4435930" y="2416029"/>
+            <a:ext cx="4842294" cy="830997"/>
+          </a:xfrm>
+          <a:prstGeom prst="rect">
+            <a:avLst/>
+          </a:prstGeom>
+        </p:spPr>
+        <p:txBody>
+          <a:bodyPr wrap="square">
+            <a:spAutoFit/>
+          </a:bodyPr>
+          <a:lstStyle/>
+          <a:p>
+            <a:r>
+              <a:rPr lang="en-US" altLang="zh-CN" sz="2400" b="1" dirty="0" smtClean="0"/>
+              <a:t> </a:t>
+            </a:r>
+            <a:r>
+              <a:rPr lang="en-US" altLang="zh-CN" sz="2400" dirty="0" smtClean="0">
+                <a:hlinkClick r:id="rId3"/>
+              </a:rPr>
+              <a:t>81. </a:t>
+            </a:r>
+            <a:r>
+              <a:rPr lang="zh-CN" altLang="en-US" sz="2400" dirty="0" smtClean="0">
+                <a:hlinkClick r:id="rId3"/>
+              </a:rPr>
+              <a:t>搜索旋转排序数组 </a:t>
+            </a:r>
+            <a:r>
+              <a:rPr lang="en-US" altLang="zh-CN" sz="2400" dirty="0" smtClean="0">
+                <a:hlinkClick r:id="rId3"/>
+              </a:rPr>
+              <a:t>II</a:t>
+            </a:r>
+            <a:endParaRPr lang="zh-CN" altLang="en-US" sz="2400" dirty="0" smtClean="0"/>
+          </a:p>
+          <a:p>
+            <a:endParaRPr lang="zh-CN" altLang="en-US" sz="2400" b="1" dirty="0"/>
           </a:p>
         </p:txBody>
       </p:sp>
